--- a/Tutorial/Entity framework.pptx
+++ b/Tutorial/Entity framework.pptx
@@ -8195,7 +8195,7 @@
         </p:blipFill>
         <p:spPr>
           <a:xfrm>
-            <a:off x="381000" y="1512570"/>
+            <a:off x="381000" y="2326707"/>
             <a:ext cx="6317835" cy="4812030"/>
           </a:xfrm>
           <a:prstGeom prst="rect">
